--- a/api-doc/design.pptx
+++ b/api-doc/design.pptx
@@ -5,12 +5,14 @@
     <p:sldMasterId id="2147483648" r:id="rId1"/>
   </p:sldMasterIdLst>
   <p:notesMasterIdLst>
-    <p:notesMasterId r:id="rId5"/>
+    <p:notesMasterId r:id="rId7"/>
   </p:notesMasterIdLst>
   <p:sldIdLst>
     <p:sldId id="256" r:id="rId2"/>
     <p:sldId id="257" r:id="rId3"/>
-    <p:sldId id="259" r:id="rId4"/>
+    <p:sldId id="260" r:id="rId4"/>
+    <p:sldId id="261" r:id="rId5"/>
+    <p:sldId id="259" r:id="rId6"/>
   </p:sldIdLst>
   <p:sldSz cx="12192000" cy="6858000"/>
   <p:notesSz cx="6858000" cy="9144000"/>
@@ -199,7 +201,7 @@
           <a:p>
             <a:fld id="{A330B505-D851-FA45-8154-3CDDF7BD6D15}" type="datetimeFigureOut">
               <a:rPr kumimoji="1" lang="ja-JP" altLang="en-US" smtClean="0"/>
-              <a:t>2017/7/30</a:t>
+              <a:t>2017/8/7</a:t>
             </a:fld>
             <a:endParaRPr kumimoji="1" lang="ja-JP" altLang="en-US"/>
           </a:p>
@@ -564,7 +566,7 @@
           <a:p>
             <a:fld id="{4A73845F-5D7C-9848-8DF9-E7C1E14D7C7E}" type="slidenum">
               <a:rPr kumimoji="1" lang="ja-JP" altLang="en-US" smtClean="0"/>
-              <a:t>3</a:t>
+              <a:t>5</a:t>
             </a:fld>
             <a:endParaRPr kumimoji="1" lang="ja-JP" altLang="en-US"/>
           </a:p>
@@ -714,7 +716,7 @@
           <a:p>
             <a:fld id="{E86270BF-6DAF-5E49-96E7-838ACBFEC869}" type="datetimeFigureOut">
               <a:rPr kumimoji="1" lang="ja-JP" altLang="en-US" smtClean="0"/>
-              <a:t>2017/7/30</a:t>
+              <a:t>2017/8/7</a:t>
             </a:fld>
             <a:endParaRPr kumimoji="1" lang="ja-JP" altLang="en-US"/>
           </a:p>
@@ -916,7 +918,7 @@
           <a:p>
             <a:fld id="{E86270BF-6DAF-5E49-96E7-838ACBFEC869}" type="datetimeFigureOut">
               <a:rPr kumimoji="1" lang="ja-JP" altLang="en-US" smtClean="0"/>
-              <a:t>2017/7/30</a:t>
+              <a:t>2017/8/7</a:t>
             </a:fld>
             <a:endParaRPr kumimoji="1" lang="ja-JP" altLang="en-US"/>
           </a:p>
@@ -1128,7 +1130,7 @@
           <a:p>
             <a:fld id="{E86270BF-6DAF-5E49-96E7-838ACBFEC869}" type="datetimeFigureOut">
               <a:rPr kumimoji="1" lang="ja-JP" altLang="en-US" smtClean="0"/>
-              <a:t>2017/7/30</a:t>
+              <a:t>2017/8/7</a:t>
             </a:fld>
             <a:endParaRPr kumimoji="1" lang="ja-JP" altLang="en-US"/>
           </a:p>
@@ -1330,7 +1332,7 @@
           <a:p>
             <a:fld id="{E86270BF-6DAF-5E49-96E7-838ACBFEC869}" type="datetimeFigureOut">
               <a:rPr kumimoji="1" lang="ja-JP" altLang="en-US" smtClean="0"/>
-              <a:t>2017/7/30</a:t>
+              <a:t>2017/8/7</a:t>
             </a:fld>
             <a:endParaRPr kumimoji="1" lang="ja-JP" altLang="en-US"/>
           </a:p>
@@ -1576,7 +1578,7 @@
           <a:p>
             <a:fld id="{E86270BF-6DAF-5E49-96E7-838ACBFEC869}" type="datetimeFigureOut">
               <a:rPr kumimoji="1" lang="ja-JP" altLang="en-US" smtClean="0"/>
-              <a:t>2017/7/30</a:t>
+              <a:t>2017/8/7</a:t>
             </a:fld>
             <a:endParaRPr kumimoji="1" lang="ja-JP" altLang="en-US"/>
           </a:p>
@@ -1872,7 +1874,7 @@
           <a:p>
             <a:fld id="{E86270BF-6DAF-5E49-96E7-838ACBFEC869}" type="datetimeFigureOut">
               <a:rPr kumimoji="1" lang="ja-JP" altLang="en-US" smtClean="0"/>
-              <a:t>2017/7/30</a:t>
+              <a:t>2017/8/7</a:t>
             </a:fld>
             <a:endParaRPr kumimoji="1" lang="ja-JP" altLang="en-US"/>
           </a:p>
@@ -2303,7 +2305,7 @@
           <a:p>
             <a:fld id="{E86270BF-6DAF-5E49-96E7-838ACBFEC869}" type="datetimeFigureOut">
               <a:rPr kumimoji="1" lang="ja-JP" altLang="en-US" smtClean="0"/>
-              <a:t>2017/7/30</a:t>
+              <a:t>2017/8/7</a:t>
             </a:fld>
             <a:endParaRPr kumimoji="1" lang="ja-JP" altLang="en-US"/>
           </a:p>
@@ -2421,7 +2423,7 @@
           <a:p>
             <a:fld id="{E86270BF-6DAF-5E49-96E7-838ACBFEC869}" type="datetimeFigureOut">
               <a:rPr kumimoji="1" lang="ja-JP" altLang="en-US" smtClean="0"/>
-              <a:t>2017/7/30</a:t>
+              <a:t>2017/8/7</a:t>
             </a:fld>
             <a:endParaRPr kumimoji="1" lang="ja-JP" altLang="en-US"/>
           </a:p>
@@ -2516,7 +2518,7 @@
           <a:p>
             <a:fld id="{E86270BF-6DAF-5E49-96E7-838ACBFEC869}" type="datetimeFigureOut">
               <a:rPr kumimoji="1" lang="ja-JP" altLang="en-US" smtClean="0"/>
-              <a:t>2017/7/30</a:t>
+              <a:t>2017/8/7</a:t>
             </a:fld>
             <a:endParaRPr kumimoji="1" lang="ja-JP" altLang="en-US"/>
           </a:p>
@@ -2825,7 +2827,7 @@
           <a:p>
             <a:fld id="{E86270BF-6DAF-5E49-96E7-838ACBFEC869}" type="datetimeFigureOut">
               <a:rPr kumimoji="1" lang="ja-JP" altLang="en-US" smtClean="0"/>
-              <a:t>2017/7/30</a:t>
+              <a:t>2017/8/7</a:t>
             </a:fld>
             <a:endParaRPr kumimoji="1" lang="ja-JP" altLang="en-US"/>
           </a:p>
@@ -3078,7 +3080,7 @@
           <a:p>
             <a:fld id="{E86270BF-6DAF-5E49-96E7-838ACBFEC869}" type="datetimeFigureOut">
               <a:rPr kumimoji="1" lang="ja-JP" altLang="en-US" smtClean="0"/>
-              <a:t>2017/7/30</a:t>
+              <a:t>2017/8/7</a:t>
             </a:fld>
             <a:endParaRPr kumimoji="1" lang="ja-JP" altLang="en-US"/>
           </a:p>
@@ -3323,7 +3325,7 @@
           <a:p>
             <a:fld id="{E86270BF-6DAF-5E49-96E7-838ACBFEC869}" type="datetimeFigureOut">
               <a:rPr kumimoji="1" lang="ja-JP" altLang="en-US" smtClean="0"/>
-              <a:t>2017/7/30</a:t>
+              <a:t>2017/8/7</a:t>
             </a:fld>
             <a:endParaRPr kumimoji="1" lang="ja-JP" altLang="en-US"/>
           </a:p>
@@ -7352,6 +7354,1046 @@
         </p:nvSpPr>
         <p:spPr>
           <a:xfrm>
+            <a:off x="330200" y="212726"/>
+            <a:ext cx="10515600" cy="735542"/>
+          </a:xfrm>
+        </p:spPr>
+        <p:txBody>
+          <a:bodyPr>
+            <a:normAutofit/>
+          </a:bodyPr>
+          <a:lstStyle/>
+          <a:p>
+            <a:r>
+              <a:rPr kumimoji="1" lang="ja-JP" altLang="en-US" sz="4000" dirty="0" smtClean="0"/>
+              <a:t>マッチングシーケンス</a:t>
+            </a:r>
+            <a:endParaRPr kumimoji="1" lang="ja-JP" altLang="en-US" sz="4000" dirty="0"/>
+          </a:p>
+        </p:txBody>
+      </p:sp>
+      <p:pic>
+        <p:nvPicPr>
+          <p:cNvPr id="3" name="図 2"/>
+          <p:cNvPicPr>
+            <a:picLocks noChangeAspect="1"/>
+          </p:cNvPicPr>
+          <p:nvPr/>
+        </p:nvPicPr>
+        <p:blipFill>
+          <a:blip r:embed="rId2"/>
+          <a:stretch>
+            <a:fillRect/>
+          </a:stretch>
+        </p:blipFill>
+        <p:spPr>
+          <a:xfrm>
+            <a:off x="330200" y="1136692"/>
+            <a:ext cx="2125133" cy="773348"/>
+          </a:xfrm>
+          <a:prstGeom prst="rect">
+            <a:avLst/>
+          </a:prstGeom>
+        </p:spPr>
+      </p:pic>
+      <p:pic>
+        <p:nvPicPr>
+          <p:cNvPr id="4" name="図 3"/>
+          <p:cNvPicPr>
+            <a:picLocks noChangeAspect="1"/>
+          </p:cNvPicPr>
+          <p:nvPr/>
+        </p:nvPicPr>
+        <p:blipFill>
+          <a:blip r:embed="rId3"/>
+          <a:stretch>
+            <a:fillRect/>
+          </a:stretch>
+        </p:blipFill>
+        <p:spPr>
+          <a:xfrm>
+            <a:off x="4656667" y="767040"/>
+            <a:ext cx="2286000" cy="1143000"/>
+          </a:xfrm>
+          <a:prstGeom prst="rect">
+            <a:avLst/>
+          </a:prstGeom>
+        </p:spPr>
+      </p:pic>
+      <p:pic>
+        <p:nvPicPr>
+          <p:cNvPr id="5" name="図 4"/>
+          <p:cNvPicPr>
+            <a:picLocks noChangeAspect="1"/>
+          </p:cNvPicPr>
+          <p:nvPr/>
+        </p:nvPicPr>
+        <p:blipFill>
+          <a:blip r:embed="rId4"/>
+          <a:stretch>
+            <a:fillRect/>
+          </a:stretch>
+        </p:blipFill>
+        <p:spPr>
+          <a:xfrm>
+            <a:off x="9406467" y="948268"/>
+            <a:ext cx="2091267" cy="731943"/>
+          </a:xfrm>
+          <a:prstGeom prst="rect">
+            <a:avLst/>
+          </a:prstGeom>
+        </p:spPr>
+      </p:pic>
+      <p:cxnSp>
+        <p:nvCxnSpPr>
+          <p:cNvPr id="7" name="直線矢印コネクタ 6"/>
+          <p:cNvCxnSpPr/>
+          <p:nvPr/>
+        </p:nvCxnSpPr>
+        <p:spPr>
+          <a:xfrm flipV="1">
+            <a:off x="2455333" y="2080885"/>
+            <a:ext cx="1947334" cy="16934"/>
+          </a:xfrm>
+          <a:prstGeom prst="straightConnector1">
+            <a:avLst/>
+          </a:prstGeom>
+          <a:ln w="28575">
+            <a:tailEnd type="triangle"/>
+          </a:ln>
+        </p:spPr>
+        <p:style>
+          <a:lnRef idx="1">
+            <a:schemeClr val="accent1"/>
+          </a:lnRef>
+          <a:fillRef idx="0">
+            <a:schemeClr val="accent1"/>
+          </a:fillRef>
+          <a:effectRef idx="0">
+            <a:schemeClr val="accent1"/>
+          </a:effectRef>
+          <a:fontRef idx="minor">
+            <a:schemeClr val="tx1"/>
+          </a:fontRef>
+        </p:style>
+      </p:cxnSp>
+      <p:sp>
+        <p:nvSpPr>
+          <p:cNvPr id="8" name="テキスト ボックス 7"/>
+          <p:cNvSpPr txBox="1"/>
+          <p:nvPr/>
+        </p:nvSpPr>
+        <p:spPr>
+          <a:xfrm>
+            <a:off x="330200" y="2047019"/>
+            <a:ext cx="1800493" cy="369332"/>
+          </a:xfrm>
+          <a:prstGeom prst="rect">
+            <a:avLst/>
+          </a:prstGeom>
+          <a:noFill/>
+        </p:spPr>
+        <p:txBody>
+          <a:bodyPr wrap="none" rtlCol="0">
+            <a:spAutoFit/>
+          </a:bodyPr>
+          <a:lstStyle/>
+          <a:p>
+            <a:r>
+              <a:rPr kumimoji="1" lang="ja-JP" altLang="en-US" smtClean="0"/>
+              <a:t>マッチング開始</a:t>
+            </a:r>
+            <a:endParaRPr kumimoji="1" lang="ja-JP" altLang="en-US"/>
+          </a:p>
+        </p:txBody>
+      </p:sp>
+      <p:sp>
+        <p:nvSpPr>
+          <p:cNvPr id="10" name="テキスト ボックス 9"/>
+          <p:cNvSpPr txBox="1"/>
+          <p:nvPr/>
+        </p:nvSpPr>
+        <p:spPr>
+          <a:xfrm>
+            <a:off x="2745960" y="2161721"/>
+            <a:ext cx="1366080" cy="954107"/>
+          </a:xfrm>
+          <a:prstGeom prst="rect">
+            <a:avLst/>
+          </a:prstGeom>
+          <a:noFill/>
+        </p:spPr>
+        <p:txBody>
+          <a:bodyPr wrap="none" rtlCol="0">
+            <a:spAutoFit/>
+          </a:bodyPr>
+          <a:lstStyle/>
+          <a:p>
+            <a:r>
+              <a:rPr lang="en-US" altLang="ja-JP" sz="1400" dirty="0" smtClean="0"/>
+              <a:t>{</a:t>
+            </a:r>
+          </a:p>
+          <a:p>
+            <a:r>
+              <a:rPr lang="en-US" altLang="ja-JP" sz="1400" dirty="0" smtClean="0"/>
+              <a:t>    device_id:””</a:t>
+            </a:r>
+          </a:p>
+          <a:p>
+            <a:r>
+              <a:rPr lang="en-US" altLang="ja-JP" sz="1400" dirty="0"/>
+              <a:t> </a:t>
+            </a:r>
+            <a:r>
+              <a:rPr lang="en-US" altLang="ja-JP" sz="1400" dirty="0" smtClean="0"/>
+              <a:t>   </a:t>
+            </a:r>
+            <a:r>
+              <a:rPr lang="en-US" altLang="ja-JP" sz="1400" dirty="0" err="1" smtClean="0"/>
+              <a:t>login_key</a:t>
+            </a:r>
+            <a:r>
+              <a:rPr lang="en-US" altLang="ja-JP" sz="1400" dirty="0" smtClean="0"/>
+              <a:t>:””</a:t>
+            </a:r>
+          </a:p>
+          <a:p>
+            <a:r>
+              <a:rPr kumimoji="1" lang="en-US" altLang="ja-JP" sz="1400" dirty="0"/>
+              <a:t>}</a:t>
+            </a:r>
+            <a:endParaRPr kumimoji="1" lang="ja-JP" altLang="en-US" sz="1400" dirty="0"/>
+          </a:p>
+        </p:txBody>
+      </p:sp>
+      <p:cxnSp>
+        <p:nvCxnSpPr>
+          <p:cNvPr id="11" name="直線矢印コネクタ 10"/>
+          <p:cNvCxnSpPr/>
+          <p:nvPr/>
+        </p:nvCxnSpPr>
+        <p:spPr>
+          <a:xfrm flipV="1">
+            <a:off x="7371706" y="2248216"/>
+            <a:ext cx="1947334" cy="16934"/>
+          </a:xfrm>
+          <a:prstGeom prst="straightConnector1">
+            <a:avLst/>
+          </a:prstGeom>
+          <a:ln w="28575">
+            <a:tailEnd type="triangle"/>
+          </a:ln>
+        </p:spPr>
+        <p:style>
+          <a:lnRef idx="1">
+            <a:schemeClr val="accent1"/>
+          </a:lnRef>
+          <a:fillRef idx="0">
+            <a:schemeClr val="accent1"/>
+          </a:fillRef>
+          <a:effectRef idx="0">
+            <a:schemeClr val="accent1"/>
+          </a:effectRef>
+          <a:fontRef idx="minor">
+            <a:schemeClr val="tx1"/>
+          </a:fontRef>
+        </p:style>
+      </p:cxnSp>
+      <p:sp>
+        <p:nvSpPr>
+          <p:cNvPr id="12" name="テキスト ボックス 11"/>
+          <p:cNvSpPr txBox="1"/>
+          <p:nvPr/>
+        </p:nvSpPr>
+        <p:spPr>
+          <a:xfrm>
+            <a:off x="7680553" y="2705873"/>
+            <a:ext cx="2185214" cy="738664"/>
+          </a:xfrm>
+          <a:prstGeom prst="rect">
+            <a:avLst/>
+          </a:prstGeom>
+          <a:noFill/>
+        </p:spPr>
+        <p:txBody>
+          <a:bodyPr wrap="none" rtlCol="0">
+            <a:spAutoFit/>
+          </a:bodyPr>
+          <a:lstStyle/>
+          <a:p>
+            <a:r>
+              <a:rPr lang="en-US" altLang="ja-JP" sz="1400" dirty="0" smtClean="0"/>
+              <a:t>{</a:t>
+            </a:r>
+          </a:p>
+          <a:p>
+            <a:r>
+              <a:rPr lang="en-US" altLang="ja-JP" sz="1400" dirty="0" smtClean="0"/>
+              <a:t>    </a:t>
+            </a:r>
+            <a:r>
+              <a:rPr lang="ja-JP" altLang="en-US" sz="1400" dirty="0" smtClean="0"/>
+              <a:t>ユーザーステータス他</a:t>
+            </a:r>
+            <a:endParaRPr lang="en-US" altLang="ja-JP" sz="1400" dirty="0" smtClean="0"/>
+          </a:p>
+          <a:p>
+            <a:r>
+              <a:rPr kumimoji="1" lang="en-US" altLang="ja-JP" sz="1400" dirty="0"/>
+              <a:t>}</a:t>
+            </a:r>
+            <a:endParaRPr kumimoji="1" lang="ja-JP" altLang="en-US" sz="1400" dirty="0"/>
+          </a:p>
+        </p:txBody>
+      </p:sp>
+      <p:cxnSp>
+        <p:nvCxnSpPr>
+          <p:cNvPr id="13" name="直線矢印コネクタ 12"/>
+          <p:cNvCxnSpPr/>
+          <p:nvPr/>
+        </p:nvCxnSpPr>
+        <p:spPr>
+          <a:xfrm flipH="1">
+            <a:off x="7371706" y="2638774"/>
+            <a:ext cx="1947334" cy="0"/>
+          </a:xfrm>
+          <a:prstGeom prst="straightConnector1">
+            <a:avLst/>
+          </a:prstGeom>
+          <a:ln w="28575">
+            <a:tailEnd type="triangle"/>
+          </a:ln>
+        </p:spPr>
+        <p:style>
+          <a:lnRef idx="1">
+            <a:schemeClr val="accent1"/>
+          </a:lnRef>
+          <a:fillRef idx="0">
+            <a:schemeClr val="accent1"/>
+          </a:fillRef>
+          <a:effectRef idx="0">
+            <a:schemeClr val="accent1"/>
+          </a:effectRef>
+          <a:fontRef idx="minor">
+            <a:schemeClr val="tx1"/>
+          </a:fontRef>
+        </p:style>
+      </p:cxnSp>
+      <p:sp>
+        <p:nvSpPr>
+          <p:cNvPr id="15" name="テキスト ボックス 14"/>
+          <p:cNvSpPr txBox="1"/>
+          <p:nvPr/>
+        </p:nvSpPr>
+        <p:spPr>
+          <a:xfrm>
+            <a:off x="7680553" y="1378142"/>
+            <a:ext cx="1366080" cy="954107"/>
+          </a:xfrm>
+          <a:prstGeom prst="rect">
+            <a:avLst/>
+          </a:prstGeom>
+          <a:noFill/>
+        </p:spPr>
+        <p:txBody>
+          <a:bodyPr wrap="none" rtlCol="0">
+            <a:spAutoFit/>
+          </a:bodyPr>
+          <a:lstStyle/>
+          <a:p>
+            <a:r>
+              <a:rPr lang="en-US" altLang="ja-JP" sz="1400" dirty="0" smtClean="0"/>
+              <a:t>{</a:t>
+            </a:r>
+          </a:p>
+          <a:p>
+            <a:r>
+              <a:rPr lang="en-US" altLang="ja-JP" sz="1400" dirty="0" smtClean="0"/>
+              <a:t>    device_id:””</a:t>
+            </a:r>
+          </a:p>
+          <a:p>
+            <a:r>
+              <a:rPr lang="en-US" altLang="ja-JP" sz="1400" dirty="0"/>
+              <a:t> </a:t>
+            </a:r>
+            <a:r>
+              <a:rPr lang="en-US" altLang="ja-JP" sz="1400" dirty="0" smtClean="0"/>
+              <a:t>   </a:t>
+            </a:r>
+            <a:r>
+              <a:rPr lang="en-US" altLang="ja-JP" sz="1400" dirty="0" err="1" smtClean="0"/>
+              <a:t>login_key</a:t>
+            </a:r>
+            <a:r>
+              <a:rPr lang="en-US" altLang="ja-JP" sz="1400" dirty="0" smtClean="0"/>
+              <a:t>:””</a:t>
+            </a:r>
+          </a:p>
+          <a:p>
+            <a:r>
+              <a:rPr kumimoji="1" lang="en-US" altLang="ja-JP" sz="1400" dirty="0"/>
+              <a:t>}</a:t>
+            </a:r>
+            <a:endParaRPr kumimoji="1" lang="ja-JP" altLang="en-US" sz="1400" dirty="0"/>
+          </a:p>
+        </p:txBody>
+      </p:sp>
+      <p:sp>
+        <p:nvSpPr>
+          <p:cNvPr id="16" name="テキスト ボックス 15"/>
+          <p:cNvSpPr txBox="1"/>
+          <p:nvPr/>
+        </p:nvSpPr>
+        <p:spPr>
+          <a:xfrm>
+            <a:off x="9857301" y="1973930"/>
+            <a:ext cx="2159566" cy="738664"/>
+          </a:xfrm>
+          <a:prstGeom prst="rect">
+            <a:avLst/>
+          </a:prstGeom>
+          <a:noFill/>
+        </p:spPr>
+        <p:txBody>
+          <a:bodyPr wrap="none" rtlCol="0">
+            <a:spAutoFit/>
+          </a:bodyPr>
+          <a:lstStyle/>
+          <a:p>
+            <a:r>
+              <a:rPr lang="ja-JP" altLang="en-US" sz="1400" dirty="0" smtClean="0"/>
+              <a:t>正規ユーザー判定</a:t>
+            </a:r>
+            <a:endParaRPr lang="en-US" altLang="ja-JP" sz="1400" dirty="0" smtClean="0"/>
+          </a:p>
+          <a:p>
+            <a:r>
+              <a:rPr kumimoji="1" lang="en-US" altLang="ja-JP" sz="1400" dirty="0" smtClean="0"/>
+              <a:t>&amp;</a:t>
+            </a:r>
+          </a:p>
+          <a:p>
+            <a:r>
+              <a:rPr lang="ja-JP" altLang="en-US" sz="1400" dirty="0" smtClean="0"/>
+              <a:t>ユーザーステータス取得</a:t>
+            </a:r>
+            <a:endParaRPr kumimoji="1" lang="ja-JP" altLang="en-US" sz="1400" dirty="0"/>
+          </a:p>
+        </p:txBody>
+      </p:sp>
+      <p:sp>
+        <p:nvSpPr>
+          <p:cNvPr id="17" name="テキスト ボックス 16"/>
+          <p:cNvSpPr txBox="1"/>
+          <p:nvPr/>
+        </p:nvSpPr>
+        <p:spPr>
+          <a:xfrm>
+            <a:off x="4701624" y="1862353"/>
+            <a:ext cx="2257349" cy="307777"/>
+          </a:xfrm>
+          <a:prstGeom prst="rect">
+            <a:avLst/>
+          </a:prstGeom>
+          <a:noFill/>
+        </p:spPr>
+        <p:txBody>
+          <a:bodyPr wrap="none" rtlCol="0">
+            <a:spAutoFit/>
+          </a:bodyPr>
+          <a:lstStyle/>
+          <a:p>
+            <a:r>
+              <a:rPr lang="en-US" altLang="ja-JP" sz="1400" dirty="0" err="1" smtClean="0"/>
+              <a:t>login_key</a:t>
+            </a:r>
+            <a:r>
+              <a:rPr lang="ja-JP" altLang="en-US" sz="1400" dirty="0" smtClean="0"/>
+              <a:t>を</a:t>
+            </a:r>
+            <a:r>
+              <a:rPr lang="en-US" altLang="ja-JP" sz="1400" dirty="0" smtClean="0"/>
+              <a:t>Rails</a:t>
+            </a:r>
+            <a:r>
+              <a:rPr lang="ja-JP" altLang="en-US" sz="1400" dirty="0" smtClean="0"/>
+              <a:t>へと中継</a:t>
+            </a:r>
+            <a:endParaRPr lang="en-US" altLang="ja-JP" sz="1400" dirty="0" smtClean="0"/>
+          </a:p>
+        </p:txBody>
+      </p:sp>
+      <p:sp>
+        <p:nvSpPr>
+          <p:cNvPr id="18" name="テキスト ボックス 17"/>
+          <p:cNvSpPr txBox="1"/>
+          <p:nvPr/>
+        </p:nvSpPr>
+        <p:spPr>
+          <a:xfrm>
+            <a:off x="4457441" y="2464354"/>
+            <a:ext cx="2877711" cy="738664"/>
+          </a:xfrm>
+          <a:prstGeom prst="rect">
+            <a:avLst/>
+          </a:prstGeom>
+          <a:noFill/>
+        </p:spPr>
+        <p:txBody>
+          <a:bodyPr wrap="none" rtlCol="0">
+            <a:spAutoFit/>
+          </a:bodyPr>
+          <a:lstStyle/>
+          <a:p>
+            <a:r>
+              <a:rPr lang="ja-JP" altLang="en-US" sz="1400" dirty="0" smtClean="0"/>
+              <a:t>ルーム作成</a:t>
+            </a:r>
+            <a:endParaRPr lang="en-US" altLang="ja-JP" sz="1400" dirty="0" smtClean="0"/>
+          </a:p>
+          <a:p>
+            <a:r>
+              <a:rPr kumimoji="1" lang="en-US" altLang="ja-JP" sz="1400" dirty="0" smtClean="0"/>
+              <a:t>&amp;</a:t>
+            </a:r>
+          </a:p>
+          <a:p>
+            <a:r>
+              <a:rPr lang="ja-JP" altLang="en-US" sz="1400" dirty="0" smtClean="0"/>
+              <a:t>ユーザー一覧オブジェクトを作成</a:t>
+            </a:r>
+            <a:endParaRPr kumimoji="1" lang="ja-JP" altLang="en-US" sz="1400" dirty="0"/>
+          </a:p>
+        </p:txBody>
+      </p:sp>
+      <p:sp>
+        <p:nvSpPr>
+          <p:cNvPr id="19" name="正方形/長方形 18"/>
+          <p:cNvSpPr/>
+          <p:nvPr/>
+        </p:nvSpPr>
+        <p:spPr>
+          <a:xfrm>
+            <a:off x="4457441" y="3444537"/>
+            <a:ext cx="2485226" cy="2084030"/>
+          </a:xfrm>
+          <a:prstGeom prst="rect">
+            <a:avLst/>
+          </a:prstGeom>
+          <a:solidFill>
+            <a:schemeClr val="bg1"/>
+          </a:solidFill>
+        </p:spPr>
+        <p:style>
+          <a:lnRef idx="2">
+            <a:schemeClr val="accent1">
+              <a:shade val="50000"/>
+            </a:schemeClr>
+          </a:lnRef>
+          <a:fillRef idx="1">
+            <a:schemeClr val="accent1"/>
+          </a:fillRef>
+          <a:effectRef idx="0">
+            <a:schemeClr val="accent1"/>
+          </a:effectRef>
+          <a:fontRef idx="minor">
+            <a:schemeClr val="lt1"/>
+          </a:fontRef>
+        </p:style>
+        <p:txBody>
+          <a:bodyPr rtlCol="0" anchor="ctr"/>
+          <a:lstStyle/>
+          <a:p>
+            <a:pPr algn="ctr"/>
+            <a:endParaRPr kumimoji="1" lang="ja-JP" altLang="en-US"/>
+          </a:p>
+        </p:txBody>
+      </p:sp>
+      <p:sp>
+        <p:nvSpPr>
+          <p:cNvPr id="20" name="テキスト ボックス 19"/>
+          <p:cNvSpPr txBox="1"/>
+          <p:nvPr/>
+        </p:nvSpPr>
+        <p:spPr>
+          <a:xfrm>
+            <a:off x="4701624" y="3497242"/>
+            <a:ext cx="1661032" cy="2031325"/>
+          </a:xfrm>
+          <a:prstGeom prst="rect">
+            <a:avLst/>
+          </a:prstGeom>
+          <a:noFill/>
+        </p:spPr>
+        <p:txBody>
+          <a:bodyPr wrap="none" rtlCol="0">
+            <a:spAutoFit/>
+          </a:bodyPr>
+          <a:lstStyle/>
+          <a:p>
+            <a:r>
+              <a:rPr lang="en-US" altLang="ja-JP" sz="1400" dirty="0" smtClean="0"/>
+              <a:t>{</a:t>
+            </a:r>
+          </a:p>
+          <a:p>
+            <a:r>
+              <a:rPr lang="en-US" altLang="ja-JP" sz="1400" dirty="0" smtClean="0"/>
+              <a:t>    “{device_id}”:{</a:t>
+            </a:r>
+          </a:p>
+          <a:p>
+            <a:r>
+              <a:rPr lang="en-US" altLang="ja-JP" sz="1400" dirty="0"/>
+              <a:t> </a:t>
+            </a:r>
+            <a:r>
+              <a:rPr lang="en-US" altLang="ja-JP" sz="1400" dirty="0" smtClean="0"/>
+              <a:t>        “room_id”:””</a:t>
+            </a:r>
+          </a:p>
+          <a:p>
+            <a:r>
+              <a:rPr lang="en-US" altLang="ja-JP" sz="1400" dirty="0"/>
+              <a:t> </a:t>
+            </a:r>
+            <a:r>
+              <a:rPr lang="en-US" altLang="ja-JP" sz="1400" dirty="0" smtClean="0"/>
+              <a:t>   },</a:t>
+            </a:r>
+          </a:p>
+          <a:p>
+            <a:r>
+              <a:rPr lang="en-US" altLang="ja-JP" sz="1400" dirty="0" smtClean="0"/>
+              <a:t>    “{</a:t>
+            </a:r>
+            <a:r>
+              <a:rPr lang="en-US" altLang="ja-JP" sz="1400" dirty="0"/>
+              <a:t>device_id}”:{</a:t>
+            </a:r>
+          </a:p>
+          <a:p>
+            <a:r>
+              <a:rPr lang="en-US" altLang="ja-JP" sz="1400" dirty="0"/>
+              <a:t>         “room_id”:””</a:t>
+            </a:r>
+          </a:p>
+          <a:p>
+            <a:r>
+              <a:rPr lang="en-US" altLang="ja-JP" sz="1400" dirty="0"/>
+              <a:t>    }</a:t>
+            </a:r>
+          </a:p>
+          <a:p>
+            <a:endParaRPr lang="en-US" altLang="ja-JP" sz="1400" dirty="0" smtClean="0"/>
+          </a:p>
+          <a:p>
+            <a:r>
+              <a:rPr kumimoji="1" lang="en-US" altLang="ja-JP" sz="1400" dirty="0"/>
+              <a:t>}</a:t>
+            </a:r>
+            <a:endParaRPr kumimoji="1" lang="ja-JP" altLang="en-US" sz="1400" dirty="0"/>
+          </a:p>
+        </p:txBody>
+      </p:sp>
+      <p:cxnSp>
+        <p:nvCxnSpPr>
+          <p:cNvPr id="21" name="直線矢印コネクタ 20"/>
+          <p:cNvCxnSpPr/>
+          <p:nvPr/>
+        </p:nvCxnSpPr>
+        <p:spPr>
+          <a:xfrm flipH="1" flipV="1">
+            <a:off x="6398039" y="4806241"/>
+            <a:ext cx="764761" cy="578559"/>
+          </a:xfrm>
+          <a:prstGeom prst="straightConnector1">
+            <a:avLst/>
+          </a:prstGeom>
+          <a:ln w="28575">
+            <a:tailEnd type="triangle"/>
+          </a:ln>
+        </p:spPr>
+        <p:style>
+          <a:lnRef idx="1">
+            <a:schemeClr val="accent1"/>
+          </a:lnRef>
+          <a:fillRef idx="0">
+            <a:schemeClr val="accent1"/>
+          </a:fillRef>
+          <a:effectRef idx="0">
+            <a:schemeClr val="accent1"/>
+          </a:effectRef>
+          <a:fontRef idx="minor">
+            <a:schemeClr val="tx1"/>
+          </a:fontRef>
+        </p:style>
+      </p:cxnSp>
+      <p:sp>
+        <p:nvSpPr>
+          <p:cNvPr id="23" name="テキスト ボックス 22"/>
+          <p:cNvSpPr txBox="1"/>
+          <p:nvPr/>
+        </p:nvSpPr>
+        <p:spPr>
+          <a:xfrm>
+            <a:off x="7226959" y="5159235"/>
+            <a:ext cx="4908716" cy="307777"/>
+          </a:xfrm>
+          <a:prstGeom prst="rect">
+            <a:avLst/>
+          </a:prstGeom>
+          <a:noFill/>
+        </p:spPr>
+        <p:txBody>
+          <a:bodyPr wrap="none" rtlCol="0">
+            <a:spAutoFit/>
+          </a:bodyPr>
+          <a:lstStyle/>
+          <a:p>
+            <a:r>
+              <a:rPr lang="ja-JP" altLang="en-US" sz="1400" dirty="0" smtClean="0"/>
+              <a:t>このオブジェクトの中にある</a:t>
+            </a:r>
+            <a:r>
+              <a:rPr lang="en-US" altLang="ja-JP" sz="1400" dirty="0" smtClean="0"/>
+              <a:t>device_id</a:t>
+            </a:r>
+            <a:r>
+              <a:rPr lang="ja-JP" altLang="en-US" sz="1400" dirty="0" smtClean="0"/>
+              <a:t>は認証済みユーザー</a:t>
+            </a:r>
+            <a:endParaRPr lang="en-US" altLang="ja-JP" sz="1400" dirty="0" smtClean="0"/>
+          </a:p>
+        </p:txBody>
+      </p:sp>
+      <p:sp>
+        <p:nvSpPr>
+          <p:cNvPr id="24" name="テキスト ボックス 23"/>
+          <p:cNvSpPr txBox="1"/>
+          <p:nvPr/>
+        </p:nvSpPr>
+        <p:spPr>
+          <a:xfrm>
+            <a:off x="368959" y="5282346"/>
+            <a:ext cx="1338828" cy="369332"/>
+          </a:xfrm>
+          <a:prstGeom prst="rect">
+            <a:avLst/>
+          </a:prstGeom>
+          <a:noFill/>
+        </p:spPr>
+        <p:txBody>
+          <a:bodyPr wrap="none" rtlCol="0">
+            <a:spAutoFit/>
+          </a:bodyPr>
+          <a:lstStyle/>
+          <a:p>
+            <a:r>
+              <a:rPr lang="ja-JP" altLang="en-US" dirty="0" smtClean="0"/>
+              <a:t>以降の通信</a:t>
+            </a:r>
+            <a:endParaRPr kumimoji="1" lang="ja-JP" altLang="en-US" dirty="0"/>
+          </a:p>
+        </p:txBody>
+      </p:sp>
+      <p:cxnSp>
+        <p:nvCxnSpPr>
+          <p:cNvPr id="25" name="直線矢印コネクタ 24"/>
+          <p:cNvCxnSpPr/>
+          <p:nvPr/>
+        </p:nvCxnSpPr>
+        <p:spPr>
+          <a:xfrm flipV="1">
+            <a:off x="2290305" y="5651678"/>
+            <a:ext cx="1947334" cy="16934"/>
+          </a:xfrm>
+          <a:prstGeom prst="straightConnector1">
+            <a:avLst/>
+          </a:prstGeom>
+          <a:ln w="28575">
+            <a:tailEnd type="triangle"/>
+          </a:ln>
+        </p:spPr>
+        <p:style>
+          <a:lnRef idx="1">
+            <a:schemeClr val="accent1"/>
+          </a:lnRef>
+          <a:fillRef idx="0">
+            <a:schemeClr val="accent1"/>
+          </a:fillRef>
+          <a:effectRef idx="0">
+            <a:schemeClr val="accent1"/>
+          </a:effectRef>
+          <a:fontRef idx="minor">
+            <a:schemeClr val="tx1"/>
+          </a:fontRef>
+        </p:style>
+      </p:cxnSp>
+      <p:sp>
+        <p:nvSpPr>
+          <p:cNvPr id="26" name="テキスト ボックス 25"/>
+          <p:cNvSpPr txBox="1"/>
+          <p:nvPr/>
+        </p:nvSpPr>
+        <p:spPr>
+          <a:xfrm>
+            <a:off x="2580932" y="5824330"/>
+            <a:ext cx="1366080" cy="738664"/>
+          </a:xfrm>
+          <a:prstGeom prst="rect">
+            <a:avLst/>
+          </a:prstGeom>
+          <a:noFill/>
+        </p:spPr>
+        <p:txBody>
+          <a:bodyPr wrap="none" rtlCol="0">
+            <a:spAutoFit/>
+          </a:bodyPr>
+          <a:lstStyle/>
+          <a:p>
+            <a:r>
+              <a:rPr lang="en-US" altLang="ja-JP" sz="1400" dirty="0" smtClean="0"/>
+              <a:t>{</a:t>
+            </a:r>
+          </a:p>
+          <a:p>
+            <a:r>
+              <a:rPr lang="en-US" altLang="ja-JP" sz="1400" dirty="0" smtClean="0"/>
+              <a:t>    device_id:””</a:t>
+            </a:r>
+          </a:p>
+          <a:p>
+            <a:r>
+              <a:rPr kumimoji="1" lang="en-US" altLang="ja-JP" sz="1400" dirty="0" smtClean="0"/>
+              <a:t>}</a:t>
+            </a:r>
+            <a:endParaRPr kumimoji="1" lang="ja-JP" altLang="en-US" sz="1400" dirty="0"/>
+          </a:p>
+        </p:txBody>
+      </p:sp>
+      <p:sp>
+        <p:nvSpPr>
+          <p:cNvPr id="27" name="テキスト ボックス 26"/>
+          <p:cNvSpPr txBox="1"/>
+          <p:nvPr/>
+        </p:nvSpPr>
+        <p:spPr>
+          <a:xfrm>
+            <a:off x="4504615" y="6039773"/>
+            <a:ext cx="5267789" cy="523220"/>
+          </a:xfrm>
+          <a:prstGeom prst="rect">
+            <a:avLst/>
+          </a:prstGeom>
+          <a:noFill/>
+        </p:spPr>
+        <p:txBody>
+          <a:bodyPr wrap="none" rtlCol="0">
+            <a:spAutoFit/>
+          </a:bodyPr>
+          <a:lstStyle/>
+          <a:p>
+            <a:r>
+              <a:rPr lang="ja-JP" altLang="en-US" sz="1400" dirty="0" smtClean="0"/>
+              <a:t>初回認証以降はクライアントからは</a:t>
+            </a:r>
+            <a:r>
+              <a:rPr lang="en-US" altLang="ja-JP" sz="1400" dirty="0" smtClean="0"/>
+              <a:t>device_id</a:t>
+            </a:r>
+            <a:r>
+              <a:rPr lang="ja-JP" altLang="en-US" sz="1400" dirty="0" smtClean="0"/>
+              <a:t>を指定するだけで</a:t>
+            </a:r>
+            <a:endParaRPr lang="en-US" altLang="ja-JP" sz="1400" dirty="0" smtClean="0"/>
+          </a:p>
+          <a:p>
+            <a:r>
+              <a:rPr lang="ja-JP" altLang="en-US" sz="1400" dirty="0" smtClean="0"/>
+              <a:t>認証済みユーザーか、ルームはどこかが↑から判定できる</a:t>
+            </a:r>
+            <a:endParaRPr lang="en-US" altLang="ja-JP" sz="1400" dirty="0" smtClean="0"/>
+          </a:p>
+        </p:txBody>
+      </p:sp>
+    </p:spTree>
+    <p:extLst>
+      <p:ext uri="{BB962C8B-B14F-4D97-AF65-F5344CB8AC3E}">
+        <p14:creationId xmlns:p14="http://schemas.microsoft.com/office/powerpoint/2010/main" val="790175926"/>
+      </p:ext>
+    </p:extLst>
+  </p:cSld>
+  <p:clrMapOvr>
+    <a:masterClrMapping/>
+  </p:clrMapOvr>
+</p:sld>
+</file>
+
+<file path=ppt/slides/slide4.xml><?xml version="1.0" encoding="utf-8"?>
+<p:sld xmlns:a="http://schemas.openxmlformats.org/drawingml/2006/main" xmlns:r="http://schemas.openxmlformats.org/officeDocument/2006/relationships" xmlns:p="http://schemas.openxmlformats.org/presentationml/2006/main">
+  <p:cSld>
+    <p:spTree>
+      <p:nvGrpSpPr>
+        <p:cNvPr id="1" name=""/>
+        <p:cNvGrpSpPr/>
+        <p:nvPr/>
+      </p:nvGrpSpPr>
+      <p:grpSpPr>
+        <a:xfrm>
+          <a:off x="0" y="0"/>
+          <a:ext cx="0" cy="0"/>
+          <a:chOff x="0" y="0"/>
+          <a:chExt cx="0" cy="0"/>
+        </a:xfrm>
+      </p:grpSpPr>
+      <p:sp>
+        <p:nvSpPr>
+          <p:cNvPr id="2" name="正方形/長方形 1"/>
+          <p:cNvSpPr/>
+          <p:nvPr/>
+        </p:nvSpPr>
+        <p:spPr>
+          <a:xfrm>
+            <a:off x="1211657" y="1179560"/>
+            <a:ext cx="2141933" cy="369332"/>
+          </a:xfrm>
+          <a:prstGeom prst="rect">
+            <a:avLst/>
+          </a:prstGeom>
+        </p:spPr>
+        <p:txBody>
+          <a:bodyPr wrap="none">
+            <a:spAutoFit/>
+          </a:bodyPr>
+          <a:lstStyle/>
+          <a:p>
+            <a:r>
+              <a:rPr lang="en-US" altLang="ja-JP" dirty="0" smtClean="0"/>
+              <a:t>“name”:“</a:t>
+            </a:r>
+            <a:r>
+              <a:rPr lang="ja-JP" altLang="en-US" dirty="0" smtClean="0"/>
+              <a:t>あいうｍ</a:t>
+            </a:r>
+            <a:r>
+              <a:rPr lang="en-US" altLang="ja-JP" dirty="0" smtClean="0"/>
+              <a:t>"</a:t>
+            </a:r>
+            <a:endParaRPr lang="ja-JP" altLang="en-US" dirty="0"/>
+          </a:p>
+        </p:txBody>
+      </p:sp>
+      <p:sp>
+        <p:nvSpPr>
+          <p:cNvPr id="3" name="正方形/長方形 2"/>
+          <p:cNvSpPr/>
+          <p:nvPr/>
+        </p:nvSpPr>
+        <p:spPr>
+          <a:xfrm>
+            <a:off x="1211656" y="1941560"/>
+            <a:ext cx="1677062" cy="369332"/>
+          </a:xfrm>
+          <a:prstGeom prst="rect">
+            <a:avLst/>
+          </a:prstGeom>
+        </p:spPr>
+        <p:txBody>
+          <a:bodyPr wrap="none">
+            <a:spAutoFit/>
+          </a:bodyPr>
+          <a:lstStyle/>
+          <a:p>
+            <a:r>
+              <a:rPr lang="en-US" altLang="ja-JP" dirty="0" smtClean="0"/>
+              <a:t>“name</a:t>
+            </a:r>
+            <a:r>
+              <a:rPr lang="en-US" altLang="ja-JP" smtClean="0"/>
+              <a:t>”:00001</a:t>
+            </a:r>
+            <a:endParaRPr lang="ja-JP" altLang="en-US" dirty="0"/>
+          </a:p>
+        </p:txBody>
+      </p:sp>
+      <p:sp>
+        <p:nvSpPr>
+          <p:cNvPr id="4" name="正方形/長方形 3"/>
+          <p:cNvSpPr/>
+          <p:nvPr/>
+        </p:nvSpPr>
+        <p:spPr>
+          <a:xfrm>
+            <a:off x="1211656" y="2334228"/>
+            <a:ext cx="1677062" cy="369332"/>
+          </a:xfrm>
+          <a:prstGeom prst="rect">
+            <a:avLst/>
+          </a:prstGeom>
+        </p:spPr>
+        <p:txBody>
+          <a:bodyPr wrap="none">
+            <a:spAutoFit/>
+          </a:bodyPr>
+          <a:lstStyle/>
+          <a:p>
+            <a:r>
+              <a:rPr lang="en-US" altLang="ja-JP" dirty="0" smtClean="0"/>
+              <a:t>“name</a:t>
+            </a:r>
+            <a:r>
+              <a:rPr lang="en-US" altLang="ja-JP" smtClean="0"/>
+              <a:t>”:00002</a:t>
+            </a:r>
+            <a:endParaRPr lang="ja-JP" altLang="en-US" dirty="0"/>
+          </a:p>
+        </p:txBody>
+      </p:sp>
+    </p:spTree>
+    <p:extLst>
+      <p:ext uri="{BB962C8B-B14F-4D97-AF65-F5344CB8AC3E}">
+        <p14:creationId xmlns:p14="http://schemas.microsoft.com/office/powerpoint/2010/main" val="1602758263"/>
+      </p:ext>
+    </p:extLst>
+  </p:cSld>
+  <p:clrMapOvr>
+    <a:masterClrMapping/>
+  </p:clrMapOvr>
+</p:sld>
+</file>
+
+<file path=ppt/slides/slide5.xml><?xml version="1.0" encoding="utf-8"?>
+<p:sld xmlns:a="http://schemas.openxmlformats.org/drawingml/2006/main" xmlns:r="http://schemas.openxmlformats.org/officeDocument/2006/relationships" xmlns:p="http://schemas.openxmlformats.org/presentationml/2006/main">
+  <p:cSld>
+    <p:spTree>
+      <p:nvGrpSpPr>
+        <p:cNvPr id="1" name=""/>
+        <p:cNvGrpSpPr/>
+        <p:nvPr/>
+      </p:nvGrpSpPr>
+      <p:grpSpPr>
+        <a:xfrm>
+          <a:off x="0" y="0"/>
+          <a:ext cx="0" cy="0"/>
+          <a:chOff x="0" y="0"/>
+          <a:chExt cx="0" cy="0"/>
+        </a:xfrm>
+      </p:grpSpPr>
+      <p:sp>
+        <p:nvSpPr>
+          <p:cNvPr id="2" name="タイトル 1"/>
+          <p:cNvSpPr>
+            <a:spLocks noGrp="1"/>
+          </p:cNvSpPr>
+          <p:nvPr>
+            <p:ph type="title"/>
+          </p:nvPr>
+        </p:nvSpPr>
+        <p:spPr>
+          <a:xfrm>
             <a:off x="120045" y="134153"/>
             <a:ext cx="5837638" cy="560426"/>
           </a:xfrm>
@@ -8533,15 +9575,7 @@
                   <a:schemeClr val="accent6"/>
                 </a:solidFill>
               </a:rPr>
-              <a:t>射出した</a:t>
-            </a:r>
-            <a:r>
-              <a:rPr kumimoji="1" lang="ja-JP" altLang="en-US" smtClean="0">
-                <a:solidFill>
-                  <a:schemeClr val="accent6"/>
-                </a:solidFill>
-              </a:rPr>
-              <a:t>ボール</a:t>
+              <a:t>射出したボール</a:t>
             </a:r>
             <a:endParaRPr kumimoji="1" lang="en-US" altLang="ja-JP" dirty="0" smtClean="0">
               <a:solidFill>
@@ -9415,15 +10449,7 @@
                   <a:srgbClr val="C00000"/>
                 </a:solidFill>
               </a:rPr>
-              <a:t>ボールを反射した位置、</a:t>
-            </a:r>
-            <a:r>
-              <a:rPr kumimoji="1" lang="ja-JP" altLang="en-US" dirty="0" smtClean="0">
-                <a:solidFill>
-                  <a:srgbClr val="C00000"/>
-                </a:solidFill>
-              </a:rPr>
-              <a:t>ベクトル</a:t>
+              <a:t>ボールを反射した位置、ベクトル</a:t>
             </a:r>
             <a:r>
               <a:rPr kumimoji="1" lang="en-US" altLang="ja-JP" dirty="0" smtClean="0">
@@ -9449,11 +10475,6 @@
               </a:rPr>
               <a:t>)</a:t>
             </a:r>
-            <a:endParaRPr kumimoji="1" lang="en-US" altLang="ja-JP" dirty="0" smtClean="0">
-              <a:solidFill>
-                <a:srgbClr val="C00000"/>
-              </a:solidFill>
-            </a:endParaRPr>
           </a:p>
         </p:txBody>
       </p:sp>
